--- a/ppt 16-9/1174.我多想飞.pptx
+++ b/ppt 16-9/1174.我多想飞.pptx
@@ -5,7 +5,7 @@
     <p:sldMasterId id="2147483648" r:id="rId1"/>
   </p:sldMasterIdLst>
   <p:sldIdLst>
-    <p:sldId id="684" r:id="rId2"/>
+    <p:sldId id="686" r:id="rId2"/>
   </p:sldIdLst>
   <p:sldSz cx="12192000" cy="6858000"/>
   <p:notesSz cx="6858000" cy="9144000"/>
@@ -129,7 +129,7 @@
           <p:cNvPr id="2" name="标题 1">
             <a:extLst>
               <a:ext uri="{FF2B5EF4-FFF2-40B4-BE49-F238E27FC236}">
-                <a16:creationId xmlns:a16="http://schemas.microsoft.com/office/drawing/2014/main" id="{86A4B9D0-2436-63B1-F4BB-D1D85BC4CDF0}"/>
+                <a16:creationId xmlns:a16="http://schemas.microsoft.com/office/drawing/2014/main" id="{F846570D-855D-97B7-D4F0-FCA4A5C3D21E}"/>
               </a:ext>
             </a:extLst>
           </p:cNvPr>
@@ -166,7 +166,7 @@
           <p:cNvPr id="3" name="副标题 2">
             <a:extLst>
               <a:ext uri="{FF2B5EF4-FFF2-40B4-BE49-F238E27FC236}">
-                <a16:creationId xmlns:a16="http://schemas.microsoft.com/office/drawing/2014/main" id="{85434572-BDD7-3121-37FE-57423AF81D20}"/>
+                <a16:creationId xmlns:a16="http://schemas.microsoft.com/office/drawing/2014/main" id="{1E32BAC5-C108-2164-0A76-236DDCFE400F}"/>
               </a:ext>
             </a:extLst>
           </p:cNvPr>
@@ -236,7 +236,7 @@
           <p:cNvPr id="4" name="日期占位符 3">
             <a:extLst>
               <a:ext uri="{FF2B5EF4-FFF2-40B4-BE49-F238E27FC236}">
-                <a16:creationId xmlns:a16="http://schemas.microsoft.com/office/drawing/2014/main" id="{F160C318-551D-92B9-2579-B458B1DE64E1}"/>
+                <a16:creationId xmlns:a16="http://schemas.microsoft.com/office/drawing/2014/main" id="{EE1924F0-FA24-5F8D-0C42-74C214515E4D}"/>
               </a:ext>
             </a:extLst>
           </p:cNvPr>
@@ -252,7 +252,7 @@
           <a:bodyPr/>
           <a:lstStyle/>
           <a:p>
-            <a:fld id="{C831918A-33FE-41AC-96EE-95DC192B52F2}" type="datetimeFigureOut">
+            <a:fld id="{6B6C0B5E-7281-40DF-8891-C7F4E1CE3A01}" type="datetimeFigureOut">
               <a:rPr lang="zh-CN" altLang="en-US" smtClean="0"/>
               <a:t>2024/3/10</a:t>
             </a:fld>
@@ -265,7 +265,7 @@
           <p:cNvPr id="5" name="页脚占位符 4">
             <a:extLst>
               <a:ext uri="{FF2B5EF4-FFF2-40B4-BE49-F238E27FC236}">
-                <a16:creationId xmlns:a16="http://schemas.microsoft.com/office/drawing/2014/main" id="{77CBCF19-E340-6667-ED90-0E3A00045165}"/>
+                <a16:creationId xmlns:a16="http://schemas.microsoft.com/office/drawing/2014/main" id="{691147BC-9A93-D18C-1FEB-B5A72291E702}"/>
               </a:ext>
             </a:extLst>
           </p:cNvPr>
@@ -290,7 +290,7 @@
           <p:cNvPr id="6" name="灯片编号占位符 5">
             <a:extLst>
               <a:ext uri="{FF2B5EF4-FFF2-40B4-BE49-F238E27FC236}">
-                <a16:creationId xmlns:a16="http://schemas.microsoft.com/office/drawing/2014/main" id="{C5024E91-4D53-69E0-3729-DB2283B81555}"/>
+                <a16:creationId xmlns:a16="http://schemas.microsoft.com/office/drawing/2014/main" id="{988BDB47-41AF-AAB8-27F1-DC660624587B}"/>
               </a:ext>
             </a:extLst>
           </p:cNvPr>
@@ -306,7 +306,7 @@
           <a:bodyPr/>
           <a:lstStyle/>
           <a:p>
-            <a:fld id="{ED0212F2-F4B4-406A-A069-D961C8F06B7E}" type="slidenum">
+            <a:fld id="{FB487FE7-5064-4704-9991-1CB763E3E98E}" type="slidenum">
               <a:rPr lang="zh-CN" altLang="en-US" smtClean="0"/>
               <a:t>‹#›</a:t>
             </a:fld>
@@ -317,7 +317,7 @@
     </p:spTree>
     <p:extLst>
       <p:ext uri="{BB962C8B-B14F-4D97-AF65-F5344CB8AC3E}">
-        <p14:creationId xmlns:p14="http://schemas.microsoft.com/office/powerpoint/2010/main" val="4031466241"/>
+        <p14:creationId xmlns:p14="http://schemas.microsoft.com/office/powerpoint/2010/main" val="2242351640"/>
       </p:ext>
     </p:extLst>
   </p:cSld>
@@ -349,7 +349,7 @@
           <p:cNvPr id="2" name="标题 1">
             <a:extLst>
               <a:ext uri="{FF2B5EF4-FFF2-40B4-BE49-F238E27FC236}">
-                <a16:creationId xmlns:a16="http://schemas.microsoft.com/office/drawing/2014/main" id="{F5B9B811-BFF0-B41B-0295-666C18C2DF1F}"/>
+                <a16:creationId xmlns:a16="http://schemas.microsoft.com/office/drawing/2014/main" id="{9DCB72F5-0C89-EAB9-106B-5E442AB30B6B}"/>
               </a:ext>
             </a:extLst>
           </p:cNvPr>
@@ -377,7 +377,7 @@
           <p:cNvPr id="3" name="竖排文字占位符 2">
             <a:extLst>
               <a:ext uri="{FF2B5EF4-FFF2-40B4-BE49-F238E27FC236}">
-                <a16:creationId xmlns:a16="http://schemas.microsoft.com/office/drawing/2014/main" id="{AC74EE2E-6341-2614-9D7A-E31BDB9F7FE8}"/>
+                <a16:creationId xmlns:a16="http://schemas.microsoft.com/office/drawing/2014/main" id="{0CCA951F-99A7-1434-A46A-AD3DD40E9489}"/>
               </a:ext>
             </a:extLst>
           </p:cNvPr>
@@ -434,7 +434,7 @@
           <p:cNvPr id="4" name="日期占位符 3">
             <a:extLst>
               <a:ext uri="{FF2B5EF4-FFF2-40B4-BE49-F238E27FC236}">
-                <a16:creationId xmlns:a16="http://schemas.microsoft.com/office/drawing/2014/main" id="{84876F33-D82D-4960-FC4C-6F221A639DC7}"/>
+                <a16:creationId xmlns:a16="http://schemas.microsoft.com/office/drawing/2014/main" id="{97B98CCC-8356-F244-011C-59E3968AAD93}"/>
               </a:ext>
             </a:extLst>
           </p:cNvPr>
@@ -450,7 +450,7 @@
           <a:bodyPr/>
           <a:lstStyle/>
           <a:p>
-            <a:fld id="{C831918A-33FE-41AC-96EE-95DC192B52F2}" type="datetimeFigureOut">
+            <a:fld id="{6B6C0B5E-7281-40DF-8891-C7F4E1CE3A01}" type="datetimeFigureOut">
               <a:rPr lang="zh-CN" altLang="en-US" smtClean="0"/>
               <a:t>2024/3/10</a:t>
             </a:fld>
@@ -463,7 +463,7 @@
           <p:cNvPr id="5" name="页脚占位符 4">
             <a:extLst>
               <a:ext uri="{FF2B5EF4-FFF2-40B4-BE49-F238E27FC236}">
-                <a16:creationId xmlns:a16="http://schemas.microsoft.com/office/drawing/2014/main" id="{3EF4D776-F929-F71B-31B0-BFA6772C6FB0}"/>
+                <a16:creationId xmlns:a16="http://schemas.microsoft.com/office/drawing/2014/main" id="{5935650B-34B5-C8D9-0B7D-3FC2DA87D3F8}"/>
               </a:ext>
             </a:extLst>
           </p:cNvPr>
@@ -488,7 +488,7 @@
           <p:cNvPr id="6" name="灯片编号占位符 5">
             <a:extLst>
               <a:ext uri="{FF2B5EF4-FFF2-40B4-BE49-F238E27FC236}">
-                <a16:creationId xmlns:a16="http://schemas.microsoft.com/office/drawing/2014/main" id="{085750AF-1BBC-07DF-FCAB-ACE2E7890A56}"/>
+                <a16:creationId xmlns:a16="http://schemas.microsoft.com/office/drawing/2014/main" id="{B8DD4C55-7D89-969A-C02A-64828340A8F7}"/>
               </a:ext>
             </a:extLst>
           </p:cNvPr>
@@ -504,7 +504,7 @@
           <a:bodyPr/>
           <a:lstStyle/>
           <a:p>
-            <a:fld id="{ED0212F2-F4B4-406A-A069-D961C8F06B7E}" type="slidenum">
+            <a:fld id="{FB487FE7-5064-4704-9991-1CB763E3E98E}" type="slidenum">
               <a:rPr lang="zh-CN" altLang="en-US" smtClean="0"/>
               <a:t>‹#›</a:t>
             </a:fld>
@@ -515,7 +515,7 @@
     </p:spTree>
     <p:extLst>
       <p:ext uri="{BB962C8B-B14F-4D97-AF65-F5344CB8AC3E}">
-        <p14:creationId xmlns:p14="http://schemas.microsoft.com/office/powerpoint/2010/main" val="2823206266"/>
+        <p14:creationId xmlns:p14="http://schemas.microsoft.com/office/powerpoint/2010/main" val="4228953113"/>
       </p:ext>
     </p:extLst>
   </p:cSld>
@@ -547,7 +547,7 @@
           <p:cNvPr id="2" name="竖排标题 1">
             <a:extLst>
               <a:ext uri="{FF2B5EF4-FFF2-40B4-BE49-F238E27FC236}">
-                <a16:creationId xmlns:a16="http://schemas.microsoft.com/office/drawing/2014/main" id="{F9F68C3D-0E2C-1032-7BC6-B1CEAAF54823}"/>
+                <a16:creationId xmlns:a16="http://schemas.microsoft.com/office/drawing/2014/main" id="{F085D920-D85B-EB68-270B-FA1B0767A2DB}"/>
               </a:ext>
             </a:extLst>
           </p:cNvPr>
@@ -580,7 +580,7 @@
           <p:cNvPr id="3" name="竖排文字占位符 2">
             <a:extLst>
               <a:ext uri="{FF2B5EF4-FFF2-40B4-BE49-F238E27FC236}">
-                <a16:creationId xmlns:a16="http://schemas.microsoft.com/office/drawing/2014/main" id="{8FE1C9C4-555F-910F-A336-9FC120370302}"/>
+                <a16:creationId xmlns:a16="http://schemas.microsoft.com/office/drawing/2014/main" id="{0F031882-925D-F579-DC9D-57F9E9C5EBB5}"/>
               </a:ext>
             </a:extLst>
           </p:cNvPr>
@@ -642,7 +642,7 @@
           <p:cNvPr id="4" name="日期占位符 3">
             <a:extLst>
               <a:ext uri="{FF2B5EF4-FFF2-40B4-BE49-F238E27FC236}">
-                <a16:creationId xmlns:a16="http://schemas.microsoft.com/office/drawing/2014/main" id="{A1E83363-223B-D0FE-97C2-1B94E8737B5B}"/>
+                <a16:creationId xmlns:a16="http://schemas.microsoft.com/office/drawing/2014/main" id="{66CA5BD4-C747-A05A-7EB1-5B106CE21D84}"/>
               </a:ext>
             </a:extLst>
           </p:cNvPr>
@@ -658,7 +658,7 @@
           <a:bodyPr/>
           <a:lstStyle/>
           <a:p>
-            <a:fld id="{C831918A-33FE-41AC-96EE-95DC192B52F2}" type="datetimeFigureOut">
+            <a:fld id="{6B6C0B5E-7281-40DF-8891-C7F4E1CE3A01}" type="datetimeFigureOut">
               <a:rPr lang="zh-CN" altLang="en-US" smtClean="0"/>
               <a:t>2024/3/10</a:t>
             </a:fld>
@@ -671,7 +671,7 @@
           <p:cNvPr id="5" name="页脚占位符 4">
             <a:extLst>
               <a:ext uri="{FF2B5EF4-FFF2-40B4-BE49-F238E27FC236}">
-                <a16:creationId xmlns:a16="http://schemas.microsoft.com/office/drawing/2014/main" id="{3B24D2A1-D06D-FA28-E918-899649A85190}"/>
+                <a16:creationId xmlns:a16="http://schemas.microsoft.com/office/drawing/2014/main" id="{F011423F-8EF5-D56D-B6AC-FCCCA8C7AB08}"/>
               </a:ext>
             </a:extLst>
           </p:cNvPr>
@@ -696,7 +696,7 @@
           <p:cNvPr id="6" name="灯片编号占位符 5">
             <a:extLst>
               <a:ext uri="{FF2B5EF4-FFF2-40B4-BE49-F238E27FC236}">
-                <a16:creationId xmlns:a16="http://schemas.microsoft.com/office/drawing/2014/main" id="{F74ECEFE-B322-6D8C-6891-2EABF2A87FB8}"/>
+                <a16:creationId xmlns:a16="http://schemas.microsoft.com/office/drawing/2014/main" id="{4A1E69E2-6D51-F0F3-655C-2CFCAC057FAD}"/>
               </a:ext>
             </a:extLst>
           </p:cNvPr>
@@ -712,7 +712,7 @@
           <a:bodyPr/>
           <a:lstStyle/>
           <a:p>
-            <a:fld id="{ED0212F2-F4B4-406A-A069-D961C8F06B7E}" type="slidenum">
+            <a:fld id="{FB487FE7-5064-4704-9991-1CB763E3E98E}" type="slidenum">
               <a:rPr lang="zh-CN" altLang="en-US" smtClean="0"/>
               <a:t>‹#›</a:t>
             </a:fld>
@@ -723,7 +723,7 @@
     </p:spTree>
     <p:extLst>
       <p:ext uri="{BB962C8B-B14F-4D97-AF65-F5344CB8AC3E}">
-        <p14:creationId xmlns:p14="http://schemas.microsoft.com/office/powerpoint/2010/main" val="4185763809"/>
+        <p14:creationId xmlns:p14="http://schemas.microsoft.com/office/powerpoint/2010/main" val="1522863212"/>
       </p:ext>
     </p:extLst>
   </p:cSld>
@@ -755,7 +755,7 @@
           <p:cNvPr id="2" name="标题 1">
             <a:extLst>
               <a:ext uri="{FF2B5EF4-FFF2-40B4-BE49-F238E27FC236}">
-                <a16:creationId xmlns:a16="http://schemas.microsoft.com/office/drawing/2014/main" id="{F29DC6DB-6FB2-4731-30EE-72FEB3EB3A04}"/>
+                <a16:creationId xmlns:a16="http://schemas.microsoft.com/office/drawing/2014/main" id="{17D60DFD-6955-3AEE-FA5A-1030ED554124}"/>
               </a:ext>
             </a:extLst>
           </p:cNvPr>
@@ -783,7 +783,7 @@
           <p:cNvPr id="3" name="内容占位符 2">
             <a:extLst>
               <a:ext uri="{FF2B5EF4-FFF2-40B4-BE49-F238E27FC236}">
-                <a16:creationId xmlns:a16="http://schemas.microsoft.com/office/drawing/2014/main" id="{E2822ED9-492D-1022-2AEE-8948A82EB0A4}"/>
+                <a16:creationId xmlns:a16="http://schemas.microsoft.com/office/drawing/2014/main" id="{1DEBE7BB-53E1-9AD2-58F1-BBD550129E72}"/>
               </a:ext>
             </a:extLst>
           </p:cNvPr>
@@ -840,7 +840,7 @@
           <p:cNvPr id="4" name="日期占位符 3">
             <a:extLst>
               <a:ext uri="{FF2B5EF4-FFF2-40B4-BE49-F238E27FC236}">
-                <a16:creationId xmlns:a16="http://schemas.microsoft.com/office/drawing/2014/main" id="{F13F82D9-1E30-5282-D73C-12D5267901C5}"/>
+                <a16:creationId xmlns:a16="http://schemas.microsoft.com/office/drawing/2014/main" id="{DE5D00EB-84A3-7B14-F8C3-1D466101FE69}"/>
               </a:ext>
             </a:extLst>
           </p:cNvPr>
@@ -856,7 +856,7 @@
           <a:bodyPr/>
           <a:lstStyle/>
           <a:p>
-            <a:fld id="{C831918A-33FE-41AC-96EE-95DC192B52F2}" type="datetimeFigureOut">
+            <a:fld id="{6B6C0B5E-7281-40DF-8891-C7F4E1CE3A01}" type="datetimeFigureOut">
               <a:rPr lang="zh-CN" altLang="en-US" smtClean="0"/>
               <a:t>2024/3/10</a:t>
             </a:fld>
@@ -869,7 +869,7 @@
           <p:cNvPr id="5" name="页脚占位符 4">
             <a:extLst>
               <a:ext uri="{FF2B5EF4-FFF2-40B4-BE49-F238E27FC236}">
-                <a16:creationId xmlns:a16="http://schemas.microsoft.com/office/drawing/2014/main" id="{BF8672C3-3778-D7C0-BAFD-68BA609959E4}"/>
+                <a16:creationId xmlns:a16="http://schemas.microsoft.com/office/drawing/2014/main" id="{374687F0-DDA9-A0F0-DC94-79E43062522B}"/>
               </a:ext>
             </a:extLst>
           </p:cNvPr>
@@ -894,7 +894,7 @@
           <p:cNvPr id="6" name="灯片编号占位符 5">
             <a:extLst>
               <a:ext uri="{FF2B5EF4-FFF2-40B4-BE49-F238E27FC236}">
-                <a16:creationId xmlns:a16="http://schemas.microsoft.com/office/drawing/2014/main" id="{D9325E81-1EA6-FFFF-3F01-47D7CAC2BFA6}"/>
+                <a16:creationId xmlns:a16="http://schemas.microsoft.com/office/drawing/2014/main" id="{1B9DB68A-FFFD-5BEC-180F-7BEFA469B583}"/>
               </a:ext>
             </a:extLst>
           </p:cNvPr>
@@ -910,7 +910,7 @@
           <a:bodyPr/>
           <a:lstStyle/>
           <a:p>
-            <a:fld id="{ED0212F2-F4B4-406A-A069-D961C8F06B7E}" type="slidenum">
+            <a:fld id="{FB487FE7-5064-4704-9991-1CB763E3E98E}" type="slidenum">
               <a:rPr lang="zh-CN" altLang="en-US" smtClean="0"/>
               <a:t>‹#›</a:t>
             </a:fld>
@@ -921,7 +921,7 @@
     </p:spTree>
     <p:extLst>
       <p:ext uri="{BB962C8B-B14F-4D97-AF65-F5344CB8AC3E}">
-        <p14:creationId xmlns:p14="http://schemas.microsoft.com/office/powerpoint/2010/main" val="3781855135"/>
+        <p14:creationId xmlns:p14="http://schemas.microsoft.com/office/powerpoint/2010/main" val="13588363"/>
       </p:ext>
     </p:extLst>
   </p:cSld>
@@ -953,7 +953,7 @@
           <p:cNvPr id="2" name="标题 1">
             <a:extLst>
               <a:ext uri="{FF2B5EF4-FFF2-40B4-BE49-F238E27FC236}">
-                <a16:creationId xmlns:a16="http://schemas.microsoft.com/office/drawing/2014/main" id="{298D05F3-DA83-EC0A-BCAD-F126FE105171}"/>
+                <a16:creationId xmlns:a16="http://schemas.microsoft.com/office/drawing/2014/main" id="{B0F3DB7E-3B2A-1CCC-D6F2-B6DD59F68548}"/>
               </a:ext>
             </a:extLst>
           </p:cNvPr>
@@ -990,7 +990,7 @@
           <p:cNvPr id="3" name="文本占位符 2">
             <a:extLst>
               <a:ext uri="{FF2B5EF4-FFF2-40B4-BE49-F238E27FC236}">
-                <a16:creationId xmlns:a16="http://schemas.microsoft.com/office/drawing/2014/main" id="{118B99FD-D343-1F3A-BB5D-904AF6C737A2}"/>
+                <a16:creationId xmlns:a16="http://schemas.microsoft.com/office/drawing/2014/main" id="{010013CB-29B6-F713-DD73-51C821995DCD}"/>
               </a:ext>
             </a:extLst>
           </p:cNvPr>
@@ -1115,7 +1115,7 @@
           <p:cNvPr id="4" name="日期占位符 3">
             <a:extLst>
               <a:ext uri="{FF2B5EF4-FFF2-40B4-BE49-F238E27FC236}">
-                <a16:creationId xmlns:a16="http://schemas.microsoft.com/office/drawing/2014/main" id="{7D497EF9-5D5F-E4B2-15A6-AE661EB71B35}"/>
+                <a16:creationId xmlns:a16="http://schemas.microsoft.com/office/drawing/2014/main" id="{C431BD65-9E0A-45EB-8295-E54857749E88}"/>
               </a:ext>
             </a:extLst>
           </p:cNvPr>
@@ -1131,7 +1131,7 @@
           <a:bodyPr/>
           <a:lstStyle/>
           <a:p>
-            <a:fld id="{C831918A-33FE-41AC-96EE-95DC192B52F2}" type="datetimeFigureOut">
+            <a:fld id="{6B6C0B5E-7281-40DF-8891-C7F4E1CE3A01}" type="datetimeFigureOut">
               <a:rPr lang="zh-CN" altLang="en-US" smtClean="0"/>
               <a:t>2024/3/10</a:t>
             </a:fld>
@@ -1144,7 +1144,7 @@
           <p:cNvPr id="5" name="页脚占位符 4">
             <a:extLst>
               <a:ext uri="{FF2B5EF4-FFF2-40B4-BE49-F238E27FC236}">
-                <a16:creationId xmlns:a16="http://schemas.microsoft.com/office/drawing/2014/main" id="{11E6C21E-59BD-81E7-3C6A-7DFD17EC58D3}"/>
+                <a16:creationId xmlns:a16="http://schemas.microsoft.com/office/drawing/2014/main" id="{23038871-DA57-4720-55C6-4259F2D859DB}"/>
               </a:ext>
             </a:extLst>
           </p:cNvPr>
@@ -1169,7 +1169,7 @@
           <p:cNvPr id="6" name="灯片编号占位符 5">
             <a:extLst>
               <a:ext uri="{FF2B5EF4-FFF2-40B4-BE49-F238E27FC236}">
-                <a16:creationId xmlns:a16="http://schemas.microsoft.com/office/drawing/2014/main" id="{6B4D3F13-E052-F8B5-72EB-772E2B8D2915}"/>
+                <a16:creationId xmlns:a16="http://schemas.microsoft.com/office/drawing/2014/main" id="{C1833436-B1D3-42D8-DFCD-0FDC90B371F0}"/>
               </a:ext>
             </a:extLst>
           </p:cNvPr>
@@ -1185,7 +1185,7 @@
           <a:bodyPr/>
           <a:lstStyle/>
           <a:p>
-            <a:fld id="{ED0212F2-F4B4-406A-A069-D961C8F06B7E}" type="slidenum">
+            <a:fld id="{FB487FE7-5064-4704-9991-1CB763E3E98E}" type="slidenum">
               <a:rPr lang="zh-CN" altLang="en-US" smtClean="0"/>
               <a:t>‹#›</a:t>
             </a:fld>
@@ -1196,7 +1196,7 @@
     </p:spTree>
     <p:extLst>
       <p:ext uri="{BB962C8B-B14F-4D97-AF65-F5344CB8AC3E}">
-        <p14:creationId xmlns:p14="http://schemas.microsoft.com/office/powerpoint/2010/main" val="1172127528"/>
+        <p14:creationId xmlns:p14="http://schemas.microsoft.com/office/powerpoint/2010/main" val="4071954893"/>
       </p:ext>
     </p:extLst>
   </p:cSld>
@@ -1228,7 +1228,7 @@
           <p:cNvPr id="2" name="标题 1">
             <a:extLst>
               <a:ext uri="{FF2B5EF4-FFF2-40B4-BE49-F238E27FC236}">
-                <a16:creationId xmlns:a16="http://schemas.microsoft.com/office/drawing/2014/main" id="{0CF9A7E3-E202-0D05-84E5-9BF39FE38EE4}"/>
+                <a16:creationId xmlns:a16="http://schemas.microsoft.com/office/drawing/2014/main" id="{C76691A2-311D-3938-5BE7-17E214A19A96}"/>
               </a:ext>
             </a:extLst>
           </p:cNvPr>
@@ -1256,7 +1256,7 @@
           <p:cNvPr id="3" name="内容占位符 2">
             <a:extLst>
               <a:ext uri="{FF2B5EF4-FFF2-40B4-BE49-F238E27FC236}">
-                <a16:creationId xmlns:a16="http://schemas.microsoft.com/office/drawing/2014/main" id="{636FAA5C-ACAB-3180-FBF1-E5B7D6126EAF}"/>
+                <a16:creationId xmlns:a16="http://schemas.microsoft.com/office/drawing/2014/main" id="{C36A70FF-ACCF-ECC0-B3D5-AF193FC3480A}"/>
               </a:ext>
             </a:extLst>
           </p:cNvPr>
@@ -1318,7 +1318,7 @@
           <p:cNvPr id="4" name="内容占位符 3">
             <a:extLst>
               <a:ext uri="{FF2B5EF4-FFF2-40B4-BE49-F238E27FC236}">
-                <a16:creationId xmlns:a16="http://schemas.microsoft.com/office/drawing/2014/main" id="{5ABF222B-6F57-982B-914E-7F29C2996707}"/>
+                <a16:creationId xmlns:a16="http://schemas.microsoft.com/office/drawing/2014/main" id="{07182512-DA8D-880E-AE72-3E17DED984E1}"/>
               </a:ext>
             </a:extLst>
           </p:cNvPr>
@@ -1380,7 +1380,7 @@
           <p:cNvPr id="5" name="日期占位符 4">
             <a:extLst>
               <a:ext uri="{FF2B5EF4-FFF2-40B4-BE49-F238E27FC236}">
-                <a16:creationId xmlns:a16="http://schemas.microsoft.com/office/drawing/2014/main" id="{F0747D6D-5E9D-D6AA-6B1C-8FD4779FF3A0}"/>
+                <a16:creationId xmlns:a16="http://schemas.microsoft.com/office/drawing/2014/main" id="{1FFED15C-1F91-99D0-AF66-857AB19CB267}"/>
               </a:ext>
             </a:extLst>
           </p:cNvPr>
@@ -1396,7 +1396,7 @@
           <a:bodyPr/>
           <a:lstStyle/>
           <a:p>
-            <a:fld id="{C831918A-33FE-41AC-96EE-95DC192B52F2}" type="datetimeFigureOut">
+            <a:fld id="{6B6C0B5E-7281-40DF-8891-C7F4E1CE3A01}" type="datetimeFigureOut">
               <a:rPr lang="zh-CN" altLang="en-US" smtClean="0"/>
               <a:t>2024/3/10</a:t>
             </a:fld>
@@ -1409,7 +1409,7 @@
           <p:cNvPr id="6" name="页脚占位符 5">
             <a:extLst>
               <a:ext uri="{FF2B5EF4-FFF2-40B4-BE49-F238E27FC236}">
-                <a16:creationId xmlns:a16="http://schemas.microsoft.com/office/drawing/2014/main" id="{E5079CE0-C69A-4B49-C5C3-1A2DB1EDC278}"/>
+                <a16:creationId xmlns:a16="http://schemas.microsoft.com/office/drawing/2014/main" id="{F52EB398-A33C-C8DE-A2FA-F195A1D91DF3}"/>
               </a:ext>
             </a:extLst>
           </p:cNvPr>
@@ -1434,7 +1434,7 @@
           <p:cNvPr id="7" name="灯片编号占位符 6">
             <a:extLst>
               <a:ext uri="{FF2B5EF4-FFF2-40B4-BE49-F238E27FC236}">
-                <a16:creationId xmlns:a16="http://schemas.microsoft.com/office/drawing/2014/main" id="{9940D901-E863-D29C-E8AD-F07DF71E198D}"/>
+                <a16:creationId xmlns:a16="http://schemas.microsoft.com/office/drawing/2014/main" id="{56F3BAEE-2F4B-C6FC-B18C-DFF500A2A59B}"/>
               </a:ext>
             </a:extLst>
           </p:cNvPr>
@@ -1450,7 +1450,7 @@
           <a:bodyPr/>
           <a:lstStyle/>
           <a:p>
-            <a:fld id="{ED0212F2-F4B4-406A-A069-D961C8F06B7E}" type="slidenum">
+            <a:fld id="{FB487FE7-5064-4704-9991-1CB763E3E98E}" type="slidenum">
               <a:rPr lang="zh-CN" altLang="en-US" smtClean="0"/>
               <a:t>‹#›</a:t>
             </a:fld>
@@ -1461,7 +1461,7 @@
     </p:spTree>
     <p:extLst>
       <p:ext uri="{BB962C8B-B14F-4D97-AF65-F5344CB8AC3E}">
-        <p14:creationId xmlns:p14="http://schemas.microsoft.com/office/powerpoint/2010/main" val="1637361309"/>
+        <p14:creationId xmlns:p14="http://schemas.microsoft.com/office/powerpoint/2010/main" val="3864047812"/>
       </p:ext>
     </p:extLst>
   </p:cSld>
@@ -1493,7 +1493,7 @@
           <p:cNvPr id="2" name="标题 1">
             <a:extLst>
               <a:ext uri="{FF2B5EF4-FFF2-40B4-BE49-F238E27FC236}">
-                <a16:creationId xmlns:a16="http://schemas.microsoft.com/office/drawing/2014/main" id="{870AF27F-DCFD-4243-2256-B8D051799D3E}"/>
+                <a16:creationId xmlns:a16="http://schemas.microsoft.com/office/drawing/2014/main" id="{29D8BD26-5A9E-E4B8-31A2-E07A751DFE85}"/>
               </a:ext>
             </a:extLst>
           </p:cNvPr>
@@ -1526,7 +1526,7 @@
           <p:cNvPr id="3" name="文本占位符 2">
             <a:extLst>
               <a:ext uri="{FF2B5EF4-FFF2-40B4-BE49-F238E27FC236}">
-                <a16:creationId xmlns:a16="http://schemas.microsoft.com/office/drawing/2014/main" id="{57E063F5-6345-0E68-0ECD-6992EA6D1AE6}"/>
+                <a16:creationId xmlns:a16="http://schemas.microsoft.com/office/drawing/2014/main" id="{5CBFEB10-9007-F89A-E933-E7775742B298}"/>
               </a:ext>
             </a:extLst>
           </p:cNvPr>
@@ -1597,7 +1597,7 @@
           <p:cNvPr id="4" name="内容占位符 3">
             <a:extLst>
               <a:ext uri="{FF2B5EF4-FFF2-40B4-BE49-F238E27FC236}">
-                <a16:creationId xmlns:a16="http://schemas.microsoft.com/office/drawing/2014/main" id="{A7CCB17A-0C0E-710B-BAD0-EA4110B7C464}"/>
+                <a16:creationId xmlns:a16="http://schemas.microsoft.com/office/drawing/2014/main" id="{EBF730FE-4E65-1B3D-67E1-0E6D4A0BC6B7}"/>
               </a:ext>
             </a:extLst>
           </p:cNvPr>
@@ -1659,7 +1659,7 @@
           <p:cNvPr id="5" name="文本占位符 4">
             <a:extLst>
               <a:ext uri="{FF2B5EF4-FFF2-40B4-BE49-F238E27FC236}">
-                <a16:creationId xmlns:a16="http://schemas.microsoft.com/office/drawing/2014/main" id="{679B8C47-0126-5560-0F08-31ED21FE19AF}"/>
+                <a16:creationId xmlns:a16="http://schemas.microsoft.com/office/drawing/2014/main" id="{78EA38C0-C3F0-52FD-892B-C8C2FD2CDF05}"/>
               </a:ext>
             </a:extLst>
           </p:cNvPr>
@@ -1730,7 +1730,7 @@
           <p:cNvPr id="6" name="内容占位符 5">
             <a:extLst>
               <a:ext uri="{FF2B5EF4-FFF2-40B4-BE49-F238E27FC236}">
-                <a16:creationId xmlns:a16="http://schemas.microsoft.com/office/drawing/2014/main" id="{13DC1E9A-3FB5-B5B0-9FC5-23AFA9DBD341}"/>
+                <a16:creationId xmlns:a16="http://schemas.microsoft.com/office/drawing/2014/main" id="{AEA8B304-4A38-E3A5-A394-99C3C6F64404}"/>
               </a:ext>
             </a:extLst>
           </p:cNvPr>
@@ -1792,7 +1792,7 @@
           <p:cNvPr id="7" name="日期占位符 6">
             <a:extLst>
               <a:ext uri="{FF2B5EF4-FFF2-40B4-BE49-F238E27FC236}">
-                <a16:creationId xmlns:a16="http://schemas.microsoft.com/office/drawing/2014/main" id="{86A8EDFA-11BF-12A3-DD6F-C21183E9A982}"/>
+                <a16:creationId xmlns:a16="http://schemas.microsoft.com/office/drawing/2014/main" id="{A2F6650D-31BB-45C7-7CC5-02D4393B9881}"/>
               </a:ext>
             </a:extLst>
           </p:cNvPr>
@@ -1808,7 +1808,7 @@
           <a:bodyPr/>
           <a:lstStyle/>
           <a:p>
-            <a:fld id="{C831918A-33FE-41AC-96EE-95DC192B52F2}" type="datetimeFigureOut">
+            <a:fld id="{6B6C0B5E-7281-40DF-8891-C7F4E1CE3A01}" type="datetimeFigureOut">
               <a:rPr lang="zh-CN" altLang="en-US" smtClean="0"/>
               <a:t>2024/3/10</a:t>
             </a:fld>
@@ -1821,7 +1821,7 @@
           <p:cNvPr id="8" name="页脚占位符 7">
             <a:extLst>
               <a:ext uri="{FF2B5EF4-FFF2-40B4-BE49-F238E27FC236}">
-                <a16:creationId xmlns:a16="http://schemas.microsoft.com/office/drawing/2014/main" id="{FAC61C68-A835-A65C-AEB5-C422F44DBB9C}"/>
+                <a16:creationId xmlns:a16="http://schemas.microsoft.com/office/drawing/2014/main" id="{19CBC3F7-A79F-4E2C-FE6E-8FD6E414DF23}"/>
               </a:ext>
             </a:extLst>
           </p:cNvPr>
@@ -1846,7 +1846,7 @@
           <p:cNvPr id="9" name="灯片编号占位符 8">
             <a:extLst>
               <a:ext uri="{FF2B5EF4-FFF2-40B4-BE49-F238E27FC236}">
-                <a16:creationId xmlns:a16="http://schemas.microsoft.com/office/drawing/2014/main" id="{B14FCBA4-66E9-7902-3135-F01ADECD86FF}"/>
+                <a16:creationId xmlns:a16="http://schemas.microsoft.com/office/drawing/2014/main" id="{616EC2D8-FE14-ECAC-FE36-4D0288309580}"/>
               </a:ext>
             </a:extLst>
           </p:cNvPr>
@@ -1862,7 +1862,7 @@
           <a:bodyPr/>
           <a:lstStyle/>
           <a:p>
-            <a:fld id="{ED0212F2-F4B4-406A-A069-D961C8F06B7E}" type="slidenum">
+            <a:fld id="{FB487FE7-5064-4704-9991-1CB763E3E98E}" type="slidenum">
               <a:rPr lang="zh-CN" altLang="en-US" smtClean="0"/>
               <a:t>‹#›</a:t>
             </a:fld>
@@ -1873,7 +1873,7 @@
     </p:spTree>
     <p:extLst>
       <p:ext uri="{BB962C8B-B14F-4D97-AF65-F5344CB8AC3E}">
-        <p14:creationId xmlns:p14="http://schemas.microsoft.com/office/powerpoint/2010/main" val="3863784654"/>
+        <p14:creationId xmlns:p14="http://schemas.microsoft.com/office/powerpoint/2010/main" val="395172889"/>
       </p:ext>
     </p:extLst>
   </p:cSld>
@@ -1905,7 +1905,7 @@
           <p:cNvPr id="2" name="标题 1">
             <a:extLst>
               <a:ext uri="{FF2B5EF4-FFF2-40B4-BE49-F238E27FC236}">
-                <a16:creationId xmlns:a16="http://schemas.microsoft.com/office/drawing/2014/main" id="{BB35DB79-EED7-E883-D65E-1AC899C77831}"/>
+                <a16:creationId xmlns:a16="http://schemas.microsoft.com/office/drawing/2014/main" id="{3F59C7A1-0498-2785-CFE1-BCA561570CD4}"/>
               </a:ext>
             </a:extLst>
           </p:cNvPr>
@@ -1933,7 +1933,7 @@
           <p:cNvPr id="3" name="日期占位符 2">
             <a:extLst>
               <a:ext uri="{FF2B5EF4-FFF2-40B4-BE49-F238E27FC236}">
-                <a16:creationId xmlns:a16="http://schemas.microsoft.com/office/drawing/2014/main" id="{43849F53-D017-0A3F-66E9-8A7AE214607A}"/>
+                <a16:creationId xmlns:a16="http://schemas.microsoft.com/office/drawing/2014/main" id="{FE5216EA-2670-C0AA-536E-DAC6A30FEED5}"/>
               </a:ext>
             </a:extLst>
           </p:cNvPr>
@@ -1949,7 +1949,7 @@
           <a:bodyPr/>
           <a:lstStyle/>
           <a:p>
-            <a:fld id="{C831918A-33FE-41AC-96EE-95DC192B52F2}" type="datetimeFigureOut">
+            <a:fld id="{6B6C0B5E-7281-40DF-8891-C7F4E1CE3A01}" type="datetimeFigureOut">
               <a:rPr lang="zh-CN" altLang="en-US" smtClean="0"/>
               <a:t>2024/3/10</a:t>
             </a:fld>
@@ -1962,7 +1962,7 @@
           <p:cNvPr id="4" name="页脚占位符 3">
             <a:extLst>
               <a:ext uri="{FF2B5EF4-FFF2-40B4-BE49-F238E27FC236}">
-                <a16:creationId xmlns:a16="http://schemas.microsoft.com/office/drawing/2014/main" id="{734756AB-B646-BBBE-36EC-BE1E2A977261}"/>
+                <a16:creationId xmlns:a16="http://schemas.microsoft.com/office/drawing/2014/main" id="{F4016C99-F9AA-8348-B8A8-21505590DEFB}"/>
               </a:ext>
             </a:extLst>
           </p:cNvPr>
@@ -1987,7 +1987,7 @@
           <p:cNvPr id="5" name="灯片编号占位符 4">
             <a:extLst>
               <a:ext uri="{FF2B5EF4-FFF2-40B4-BE49-F238E27FC236}">
-                <a16:creationId xmlns:a16="http://schemas.microsoft.com/office/drawing/2014/main" id="{26FBFF63-628B-9D95-833B-380526E1A672}"/>
+                <a16:creationId xmlns:a16="http://schemas.microsoft.com/office/drawing/2014/main" id="{AA5CFD1F-1491-001E-3BDD-8D880E4255A5}"/>
               </a:ext>
             </a:extLst>
           </p:cNvPr>
@@ -2003,7 +2003,7 @@
           <a:bodyPr/>
           <a:lstStyle/>
           <a:p>
-            <a:fld id="{ED0212F2-F4B4-406A-A069-D961C8F06B7E}" type="slidenum">
+            <a:fld id="{FB487FE7-5064-4704-9991-1CB763E3E98E}" type="slidenum">
               <a:rPr lang="zh-CN" altLang="en-US" smtClean="0"/>
               <a:t>‹#›</a:t>
             </a:fld>
@@ -2014,7 +2014,7 @@
     </p:spTree>
     <p:extLst>
       <p:ext uri="{BB962C8B-B14F-4D97-AF65-F5344CB8AC3E}">
-        <p14:creationId xmlns:p14="http://schemas.microsoft.com/office/powerpoint/2010/main" val="2280487046"/>
+        <p14:creationId xmlns:p14="http://schemas.microsoft.com/office/powerpoint/2010/main" val="3346454496"/>
       </p:ext>
     </p:extLst>
   </p:cSld>
@@ -2046,7 +2046,7 @@
           <p:cNvPr id="2" name="日期占位符 1">
             <a:extLst>
               <a:ext uri="{FF2B5EF4-FFF2-40B4-BE49-F238E27FC236}">
-                <a16:creationId xmlns:a16="http://schemas.microsoft.com/office/drawing/2014/main" id="{255B25CD-65B0-60E7-7DB0-D58B1856DA06}"/>
+                <a16:creationId xmlns:a16="http://schemas.microsoft.com/office/drawing/2014/main" id="{F7F09D20-6708-0495-5E56-B53607AFA6C0}"/>
               </a:ext>
             </a:extLst>
           </p:cNvPr>
@@ -2062,7 +2062,7 @@
           <a:bodyPr/>
           <a:lstStyle/>
           <a:p>
-            <a:fld id="{C831918A-33FE-41AC-96EE-95DC192B52F2}" type="datetimeFigureOut">
+            <a:fld id="{6B6C0B5E-7281-40DF-8891-C7F4E1CE3A01}" type="datetimeFigureOut">
               <a:rPr lang="zh-CN" altLang="en-US" smtClean="0"/>
               <a:t>2024/3/10</a:t>
             </a:fld>
@@ -2075,7 +2075,7 @@
           <p:cNvPr id="3" name="页脚占位符 2">
             <a:extLst>
               <a:ext uri="{FF2B5EF4-FFF2-40B4-BE49-F238E27FC236}">
-                <a16:creationId xmlns:a16="http://schemas.microsoft.com/office/drawing/2014/main" id="{88223C96-66BD-32BB-CE0D-C7BDC7CC19C0}"/>
+                <a16:creationId xmlns:a16="http://schemas.microsoft.com/office/drawing/2014/main" id="{BFE3D1C3-CCE4-71CE-32B7-10F3787CBFB6}"/>
               </a:ext>
             </a:extLst>
           </p:cNvPr>
@@ -2100,7 +2100,7 @@
           <p:cNvPr id="4" name="灯片编号占位符 3">
             <a:extLst>
               <a:ext uri="{FF2B5EF4-FFF2-40B4-BE49-F238E27FC236}">
-                <a16:creationId xmlns:a16="http://schemas.microsoft.com/office/drawing/2014/main" id="{F218258F-A284-F5E1-F52B-8628238A12B2}"/>
+                <a16:creationId xmlns:a16="http://schemas.microsoft.com/office/drawing/2014/main" id="{75A5FDBA-728B-1779-62DD-E1267F75842A}"/>
               </a:ext>
             </a:extLst>
           </p:cNvPr>
@@ -2116,7 +2116,7 @@
           <a:bodyPr/>
           <a:lstStyle/>
           <a:p>
-            <a:fld id="{ED0212F2-F4B4-406A-A069-D961C8F06B7E}" type="slidenum">
+            <a:fld id="{FB487FE7-5064-4704-9991-1CB763E3E98E}" type="slidenum">
               <a:rPr lang="zh-CN" altLang="en-US" smtClean="0"/>
               <a:t>‹#›</a:t>
             </a:fld>
@@ -2127,7 +2127,7 @@
     </p:spTree>
     <p:extLst>
       <p:ext uri="{BB962C8B-B14F-4D97-AF65-F5344CB8AC3E}">
-        <p14:creationId xmlns:p14="http://schemas.microsoft.com/office/powerpoint/2010/main" val="293954099"/>
+        <p14:creationId xmlns:p14="http://schemas.microsoft.com/office/powerpoint/2010/main" val="1169175494"/>
       </p:ext>
     </p:extLst>
   </p:cSld>
@@ -2159,7 +2159,7 @@
           <p:cNvPr id="2" name="标题 1">
             <a:extLst>
               <a:ext uri="{FF2B5EF4-FFF2-40B4-BE49-F238E27FC236}">
-                <a16:creationId xmlns:a16="http://schemas.microsoft.com/office/drawing/2014/main" id="{85BAA680-8654-6837-CA6A-65A2CCA3AB6F}"/>
+                <a16:creationId xmlns:a16="http://schemas.microsoft.com/office/drawing/2014/main" id="{CD908830-EC5C-DFB0-5696-DC15BD1E4DF8}"/>
               </a:ext>
             </a:extLst>
           </p:cNvPr>
@@ -2196,7 +2196,7 @@
           <p:cNvPr id="3" name="内容占位符 2">
             <a:extLst>
               <a:ext uri="{FF2B5EF4-FFF2-40B4-BE49-F238E27FC236}">
-                <a16:creationId xmlns:a16="http://schemas.microsoft.com/office/drawing/2014/main" id="{8E1431D5-73F4-C281-9B6A-54959439E6D0}"/>
+                <a16:creationId xmlns:a16="http://schemas.microsoft.com/office/drawing/2014/main" id="{8C88D674-DAAF-EB72-EBEE-D7CD5BCF85D0}"/>
               </a:ext>
             </a:extLst>
           </p:cNvPr>
@@ -2286,7 +2286,7 @@
           <p:cNvPr id="4" name="文本占位符 3">
             <a:extLst>
               <a:ext uri="{FF2B5EF4-FFF2-40B4-BE49-F238E27FC236}">
-                <a16:creationId xmlns:a16="http://schemas.microsoft.com/office/drawing/2014/main" id="{09D29758-79DD-B533-9265-DD75CAF7CC6F}"/>
+                <a16:creationId xmlns:a16="http://schemas.microsoft.com/office/drawing/2014/main" id="{9E10B285-7293-37FD-92D9-79C3896C1E0D}"/>
               </a:ext>
             </a:extLst>
           </p:cNvPr>
@@ -2357,7 +2357,7 @@
           <p:cNvPr id="5" name="日期占位符 4">
             <a:extLst>
               <a:ext uri="{FF2B5EF4-FFF2-40B4-BE49-F238E27FC236}">
-                <a16:creationId xmlns:a16="http://schemas.microsoft.com/office/drawing/2014/main" id="{32DAFB36-66C1-40FA-62F5-58A1FC863DB1}"/>
+                <a16:creationId xmlns:a16="http://schemas.microsoft.com/office/drawing/2014/main" id="{2899F998-B5E1-416A-7F0F-C8520FD87A5F}"/>
               </a:ext>
             </a:extLst>
           </p:cNvPr>
@@ -2373,7 +2373,7 @@
           <a:bodyPr/>
           <a:lstStyle/>
           <a:p>
-            <a:fld id="{C831918A-33FE-41AC-96EE-95DC192B52F2}" type="datetimeFigureOut">
+            <a:fld id="{6B6C0B5E-7281-40DF-8891-C7F4E1CE3A01}" type="datetimeFigureOut">
               <a:rPr lang="zh-CN" altLang="en-US" smtClean="0"/>
               <a:t>2024/3/10</a:t>
             </a:fld>
@@ -2386,7 +2386,7 @@
           <p:cNvPr id="6" name="页脚占位符 5">
             <a:extLst>
               <a:ext uri="{FF2B5EF4-FFF2-40B4-BE49-F238E27FC236}">
-                <a16:creationId xmlns:a16="http://schemas.microsoft.com/office/drawing/2014/main" id="{AA20CF5B-4F18-D63D-F730-D4C8C0D2FACB}"/>
+                <a16:creationId xmlns:a16="http://schemas.microsoft.com/office/drawing/2014/main" id="{A311E9DA-A81E-FFAA-EF1F-2C10B181CB3B}"/>
               </a:ext>
             </a:extLst>
           </p:cNvPr>
@@ -2411,7 +2411,7 @@
           <p:cNvPr id="7" name="灯片编号占位符 6">
             <a:extLst>
               <a:ext uri="{FF2B5EF4-FFF2-40B4-BE49-F238E27FC236}">
-                <a16:creationId xmlns:a16="http://schemas.microsoft.com/office/drawing/2014/main" id="{DC7C532D-6BA6-3249-9E01-78D10DB45B12}"/>
+                <a16:creationId xmlns:a16="http://schemas.microsoft.com/office/drawing/2014/main" id="{E7DAB3DD-3288-0739-1041-505E83706E2A}"/>
               </a:ext>
             </a:extLst>
           </p:cNvPr>
@@ -2427,7 +2427,7 @@
           <a:bodyPr/>
           <a:lstStyle/>
           <a:p>
-            <a:fld id="{ED0212F2-F4B4-406A-A069-D961C8F06B7E}" type="slidenum">
+            <a:fld id="{FB487FE7-5064-4704-9991-1CB763E3E98E}" type="slidenum">
               <a:rPr lang="zh-CN" altLang="en-US" smtClean="0"/>
               <a:t>‹#›</a:t>
             </a:fld>
@@ -2438,7 +2438,7 @@
     </p:spTree>
     <p:extLst>
       <p:ext uri="{BB962C8B-B14F-4D97-AF65-F5344CB8AC3E}">
-        <p14:creationId xmlns:p14="http://schemas.microsoft.com/office/powerpoint/2010/main" val="1291553618"/>
+        <p14:creationId xmlns:p14="http://schemas.microsoft.com/office/powerpoint/2010/main" val="2537910411"/>
       </p:ext>
     </p:extLst>
   </p:cSld>
@@ -2470,7 +2470,7 @@
           <p:cNvPr id="2" name="标题 1">
             <a:extLst>
               <a:ext uri="{FF2B5EF4-FFF2-40B4-BE49-F238E27FC236}">
-                <a16:creationId xmlns:a16="http://schemas.microsoft.com/office/drawing/2014/main" id="{DD73A5B4-AC9E-4D84-92BB-FFFF602FA881}"/>
+                <a16:creationId xmlns:a16="http://schemas.microsoft.com/office/drawing/2014/main" id="{3C2FC9BB-4482-19AC-BC39-A74CAAF73DE3}"/>
               </a:ext>
             </a:extLst>
           </p:cNvPr>
@@ -2507,7 +2507,7 @@
           <p:cNvPr id="3" name="图片占位符 2">
             <a:extLst>
               <a:ext uri="{FF2B5EF4-FFF2-40B4-BE49-F238E27FC236}">
-                <a16:creationId xmlns:a16="http://schemas.microsoft.com/office/drawing/2014/main" id="{ADBDCF71-0F4B-8738-831B-E3CCF60B9FE3}"/>
+                <a16:creationId xmlns:a16="http://schemas.microsoft.com/office/drawing/2014/main" id="{89A86654-4287-32F8-6A34-E37960B60ED8}"/>
               </a:ext>
             </a:extLst>
           </p:cNvPr>
@@ -2574,7 +2574,7 @@
           <p:cNvPr id="4" name="文本占位符 3">
             <a:extLst>
               <a:ext uri="{FF2B5EF4-FFF2-40B4-BE49-F238E27FC236}">
-                <a16:creationId xmlns:a16="http://schemas.microsoft.com/office/drawing/2014/main" id="{9726BB76-95F2-D5EE-7F8A-B2F817302461}"/>
+                <a16:creationId xmlns:a16="http://schemas.microsoft.com/office/drawing/2014/main" id="{C683270F-D855-A8ED-CFC8-416A45414A90}"/>
               </a:ext>
             </a:extLst>
           </p:cNvPr>
@@ -2645,7 +2645,7 @@
           <p:cNvPr id="5" name="日期占位符 4">
             <a:extLst>
               <a:ext uri="{FF2B5EF4-FFF2-40B4-BE49-F238E27FC236}">
-                <a16:creationId xmlns:a16="http://schemas.microsoft.com/office/drawing/2014/main" id="{E72FD0A8-63C8-7851-AEAE-E03C687F77D3}"/>
+                <a16:creationId xmlns:a16="http://schemas.microsoft.com/office/drawing/2014/main" id="{28BA80D9-400C-6AE3-EE0E-BA0EEC34BB51}"/>
               </a:ext>
             </a:extLst>
           </p:cNvPr>
@@ -2661,7 +2661,7 @@
           <a:bodyPr/>
           <a:lstStyle/>
           <a:p>
-            <a:fld id="{C831918A-33FE-41AC-96EE-95DC192B52F2}" type="datetimeFigureOut">
+            <a:fld id="{6B6C0B5E-7281-40DF-8891-C7F4E1CE3A01}" type="datetimeFigureOut">
               <a:rPr lang="zh-CN" altLang="en-US" smtClean="0"/>
               <a:t>2024/3/10</a:t>
             </a:fld>
@@ -2674,7 +2674,7 @@
           <p:cNvPr id="6" name="页脚占位符 5">
             <a:extLst>
               <a:ext uri="{FF2B5EF4-FFF2-40B4-BE49-F238E27FC236}">
-                <a16:creationId xmlns:a16="http://schemas.microsoft.com/office/drawing/2014/main" id="{1CB0D718-4162-AB49-9631-1788DC7A60F4}"/>
+                <a16:creationId xmlns:a16="http://schemas.microsoft.com/office/drawing/2014/main" id="{E1BF247B-D333-4716-B9C7-30A3A1305219}"/>
               </a:ext>
             </a:extLst>
           </p:cNvPr>
@@ -2699,7 +2699,7 @@
           <p:cNvPr id="7" name="灯片编号占位符 6">
             <a:extLst>
               <a:ext uri="{FF2B5EF4-FFF2-40B4-BE49-F238E27FC236}">
-                <a16:creationId xmlns:a16="http://schemas.microsoft.com/office/drawing/2014/main" id="{CA1C772F-B7D8-EBC8-F2BD-2B7649EB06D8}"/>
+                <a16:creationId xmlns:a16="http://schemas.microsoft.com/office/drawing/2014/main" id="{64AE223F-6BAC-6608-2707-A6E8C3912F49}"/>
               </a:ext>
             </a:extLst>
           </p:cNvPr>
@@ -2715,7 +2715,7 @@
           <a:bodyPr/>
           <a:lstStyle/>
           <a:p>
-            <a:fld id="{ED0212F2-F4B4-406A-A069-D961C8F06B7E}" type="slidenum">
+            <a:fld id="{FB487FE7-5064-4704-9991-1CB763E3E98E}" type="slidenum">
               <a:rPr lang="zh-CN" altLang="en-US" smtClean="0"/>
               <a:t>‹#›</a:t>
             </a:fld>
@@ -2726,7 +2726,7 @@
     </p:spTree>
     <p:extLst>
       <p:ext uri="{BB962C8B-B14F-4D97-AF65-F5344CB8AC3E}">
-        <p14:creationId xmlns:p14="http://schemas.microsoft.com/office/powerpoint/2010/main" val="3237795170"/>
+        <p14:creationId xmlns:p14="http://schemas.microsoft.com/office/powerpoint/2010/main" val="3592993825"/>
       </p:ext>
     </p:extLst>
   </p:cSld>
@@ -2763,7 +2763,7 @@
           <p:cNvPr id="2" name="标题占位符 1">
             <a:extLst>
               <a:ext uri="{FF2B5EF4-FFF2-40B4-BE49-F238E27FC236}">
-                <a16:creationId xmlns:a16="http://schemas.microsoft.com/office/drawing/2014/main" id="{BDF3690B-8CB4-67C2-69A8-9298A660D9E3}"/>
+                <a16:creationId xmlns:a16="http://schemas.microsoft.com/office/drawing/2014/main" id="{5DB77740-93F2-E180-E2F8-7008B2FBCADE}"/>
               </a:ext>
             </a:extLst>
           </p:cNvPr>
@@ -2801,7 +2801,7 @@
           <p:cNvPr id="3" name="文本占位符 2">
             <a:extLst>
               <a:ext uri="{FF2B5EF4-FFF2-40B4-BE49-F238E27FC236}">
-                <a16:creationId xmlns:a16="http://schemas.microsoft.com/office/drawing/2014/main" id="{39D38C02-B3EF-AEE6-9271-A59528C97069}"/>
+                <a16:creationId xmlns:a16="http://schemas.microsoft.com/office/drawing/2014/main" id="{74328758-840D-D32F-6A1A-0C64EE35B137}"/>
               </a:ext>
             </a:extLst>
           </p:cNvPr>
@@ -2868,7 +2868,7 @@
           <p:cNvPr id="4" name="日期占位符 3">
             <a:extLst>
               <a:ext uri="{FF2B5EF4-FFF2-40B4-BE49-F238E27FC236}">
-                <a16:creationId xmlns:a16="http://schemas.microsoft.com/office/drawing/2014/main" id="{3C480AE7-8C64-0581-0F49-2FA9AF030E99}"/>
+                <a16:creationId xmlns:a16="http://schemas.microsoft.com/office/drawing/2014/main" id="{7840C4A0-E7E6-766A-1AD7-7F9CD05EDB74}"/>
               </a:ext>
             </a:extLst>
           </p:cNvPr>
@@ -2902,7 +2902,7 @@
             </a:lvl1pPr>
           </a:lstStyle>
           <a:p>
-            <a:fld id="{C831918A-33FE-41AC-96EE-95DC192B52F2}" type="datetimeFigureOut">
+            <a:fld id="{6B6C0B5E-7281-40DF-8891-C7F4E1CE3A01}" type="datetimeFigureOut">
               <a:rPr lang="zh-CN" altLang="en-US" smtClean="0"/>
               <a:t>2024/3/10</a:t>
             </a:fld>
@@ -2915,7 +2915,7 @@
           <p:cNvPr id="5" name="页脚占位符 4">
             <a:extLst>
               <a:ext uri="{FF2B5EF4-FFF2-40B4-BE49-F238E27FC236}">
-                <a16:creationId xmlns:a16="http://schemas.microsoft.com/office/drawing/2014/main" id="{B7EC4E71-4480-BAE4-983F-098DAABEFADA}"/>
+                <a16:creationId xmlns:a16="http://schemas.microsoft.com/office/drawing/2014/main" id="{0347765B-9F61-6C14-E160-C345822F9BF3}"/>
               </a:ext>
             </a:extLst>
           </p:cNvPr>
@@ -2958,7 +2958,7 @@
           <p:cNvPr id="6" name="灯片编号占位符 5">
             <a:extLst>
               <a:ext uri="{FF2B5EF4-FFF2-40B4-BE49-F238E27FC236}">
-                <a16:creationId xmlns:a16="http://schemas.microsoft.com/office/drawing/2014/main" id="{A9C9CB7F-405C-23EA-3A4D-5B378495C056}"/>
+                <a16:creationId xmlns:a16="http://schemas.microsoft.com/office/drawing/2014/main" id="{76B5F617-DBF2-0EF2-375A-4CEE1D7EBAC0}"/>
               </a:ext>
             </a:extLst>
           </p:cNvPr>
@@ -2992,7 +2992,7 @@
             </a:lvl1pPr>
           </a:lstStyle>
           <a:p>
-            <a:fld id="{ED0212F2-F4B4-406A-A069-D961C8F06B7E}" type="slidenum">
+            <a:fld id="{FB487FE7-5064-4704-9991-1CB763E3E98E}" type="slidenum">
               <a:rPr lang="zh-CN" altLang="en-US" smtClean="0"/>
               <a:t>‹#›</a:t>
             </a:fld>
@@ -3003,7 +3003,7 @@
     </p:spTree>
     <p:extLst>
       <p:ext uri="{BB962C8B-B14F-4D97-AF65-F5344CB8AC3E}">
-        <p14:creationId xmlns:p14="http://schemas.microsoft.com/office/powerpoint/2010/main" val="3383076133"/>
+        <p14:creationId xmlns:p14="http://schemas.microsoft.com/office/powerpoint/2010/main" val="2596625644"/>
       </p:ext>
     </p:extLst>
   </p:cSld>
@@ -3323,7 +3323,7 @@
       </p:grpSpPr>
       <p:pic>
         <p:nvPicPr>
-          <p:cNvPr id="1202178" name="Picture 2" descr="1173"/>
+          <p:cNvPr id="1203202" name="Picture 2" descr="1174"/>
           <p:cNvPicPr>
             <a:picLocks noChangeAspect="1" noChangeArrowheads="1"/>
           </p:cNvPicPr>
@@ -3344,8 +3344,8 @@
         </p:blipFill>
         <p:spPr bwMode="auto">
           <a:xfrm>
-            <a:off x="1524000" y="0"/>
-            <a:ext cx="9144000" cy="6859588"/>
+            <a:off x="1720850" y="147638"/>
+            <a:ext cx="8947150" cy="6710362"/>
           </a:xfrm>
           <a:prstGeom prst="rect">
             <a:avLst/>
